--- a/src/lectures/android-content-providers/android-content-providers.pptx
+++ b/src/lectures/android-content-providers/android-content-providers.pptx
@@ -222,7 +222,7 @@
           <a:p>
             <a:fld id="{EBEE5AE1-1D5F-483D-90B5-92A2A708F59B}" type="datetimeFigureOut">
               <a:rPr lang="en-US" smtClean="0"/>
-              <a:t>3/1/2020</a:t>
+              <a:t>3/2/2020</a:t>
             </a:fld>
             <a:endParaRPr lang="en-US"/>
           </a:p>
@@ -615,7 +615,7 @@
           <a:p>
             <a:fld id="{428859CC-B640-4DB3-BB6F-301CDED75AAD}" type="datetimeFigureOut">
               <a:rPr lang="sv-SE" smtClean="0"/>
-              <a:t>2020-03-01</a:t>
+              <a:t>2020-03-02</a:t>
             </a:fld>
             <a:endParaRPr lang="sv-SE"/>
           </a:p>
@@ -965,7 +965,7 @@
           <a:p>
             <a:fld id="{428859CC-B640-4DB3-BB6F-301CDED75AAD}" type="datetimeFigureOut">
               <a:rPr lang="sv-SE" smtClean="0"/>
-              <a:t>2020-03-01</a:t>
+              <a:t>2020-03-02</a:t>
             </a:fld>
             <a:endParaRPr lang="sv-SE"/>
           </a:p>
@@ -1215,7 +1215,7 @@
           <a:p>
             <a:fld id="{428859CC-B640-4DB3-BB6F-301CDED75AAD}" type="datetimeFigureOut">
               <a:rPr lang="sv-SE" smtClean="0"/>
-              <a:t>2020-03-01</a:t>
+              <a:t>2020-03-02</a:t>
             </a:fld>
             <a:endParaRPr lang="sv-SE"/>
           </a:p>
@@ -1574,7 +1574,7 @@
           <a:p>
             <a:fld id="{428859CC-B640-4DB3-BB6F-301CDED75AAD}" type="datetimeFigureOut">
               <a:rPr lang="sv-SE" smtClean="0"/>
-              <a:t>2020-03-01</a:t>
+              <a:t>2020-03-02</a:t>
             </a:fld>
             <a:endParaRPr lang="sv-SE"/>
           </a:p>
@@ -1925,7 +1925,7 @@
           <a:p>
             <a:fld id="{428859CC-B640-4DB3-BB6F-301CDED75AAD}" type="datetimeFigureOut">
               <a:rPr lang="sv-SE" smtClean="0"/>
-              <a:t>2020-03-01</a:t>
+              <a:t>2020-03-02</a:t>
             </a:fld>
             <a:endParaRPr lang="sv-SE"/>
           </a:p>
@@ -2357,7 +2357,7 @@
           <a:p>
             <a:fld id="{428859CC-B640-4DB3-BB6F-301CDED75AAD}" type="datetimeFigureOut">
               <a:rPr lang="sv-SE" smtClean="0"/>
-              <a:t>2020-03-01</a:t>
+              <a:t>2020-03-02</a:t>
             </a:fld>
             <a:endParaRPr lang="sv-SE"/>
           </a:p>
@@ -2781,7 +2781,7 @@
           <a:p>
             <a:fld id="{428859CC-B640-4DB3-BB6F-301CDED75AAD}" type="datetimeFigureOut">
               <a:rPr lang="sv-SE" smtClean="0"/>
-              <a:t>2020-03-01</a:t>
+              <a:t>2020-03-02</a:t>
             </a:fld>
             <a:endParaRPr lang="sv-SE"/>
           </a:p>
@@ -3213,7 +3213,7 @@
           <a:p>
             <a:fld id="{428859CC-B640-4DB3-BB6F-301CDED75AAD}" type="datetimeFigureOut">
               <a:rPr lang="sv-SE" smtClean="0"/>
-              <a:t>2020-03-01</a:t>
+              <a:t>2020-03-02</a:t>
             </a:fld>
             <a:endParaRPr lang="sv-SE"/>
           </a:p>
@@ -3542,7 +3542,7 @@
           <a:p>
             <a:fld id="{428859CC-B640-4DB3-BB6F-301CDED75AAD}" type="datetimeFigureOut">
               <a:rPr lang="sv-SE" smtClean="0"/>
-              <a:t>2020-03-01</a:t>
+              <a:t>2020-03-02</a:t>
             </a:fld>
             <a:endParaRPr lang="sv-SE"/>
           </a:p>
@@ -3742,7 +3742,7 @@
           <a:p>
             <a:fld id="{428859CC-B640-4DB3-BB6F-301CDED75AAD}" type="datetimeFigureOut">
               <a:rPr lang="sv-SE" smtClean="0"/>
-              <a:t>2020-03-01</a:t>
+              <a:t>2020-03-02</a:t>
             </a:fld>
             <a:endParaRPr lang="sv-SE"/>
           </a:p>
@@ -3903,7 +3903,7 @@
           <a:p>
             <a:fld id="{428859CC-B640-4DB3-BB6F-301CDED75AAD}" type="datetimeFigureOut">
               <a:rPr lang="sv-SE" smtClean="0"/>
-              <a:t>2020-03-01</a:t>
+              <a:t>2020-03-02</a:t>
             </a:fld>
             <a:endParaRPr lang="sv-SE"/>
           </a:p>
@@ -4174,7 +4174,7 @@
           <a:p>
             <a:fld id="{428859CC-B640-4DB3-BB6F-301CDED75AAD}" type="datetimeFigureOut">
               <a:rPr lang="sv-SE" smtClean="0"/>
-              <a:t>2020-03-01</a:t>
+              <a:t>2020-03-02</a:t>
             </a:fld>
             <a:endParaRPr lang="sv-SE"/>
           </a:p>
@@ -4379,7 +4379,7 @@
           <a:p>
             <a:fld id="{428859CC-B640-4DB3-BB6F-301CDED75AAD}" type="datetimeFigureOut">
               <a:rPr lang="sv-SE" smtClean="0"/>
-              <a:t>2020-03-01</a:t>
+              <a:t>2020-03-02</a:t>
             </a:fld>
             <a:endParaRPr lang="sv-SE"/>
           </a:p>
@@ -4601,7 +4601,7 @@
           <a:p>
             <a:fld id="{428859CC-B640-4DB3-BB6F-301CDED75AAD}" type="datetimeFigureOut">
               <a:rPr lang="sv-SE" smtClean="0"/>
-              <a:t>2020-03-01</a:t>
+              <a:t>2020-03-02</a:t>
             </a:fld>
             <a:endParaRPr lang="sv-SE"/>
           </a:p>
@@ -4835,7 +4835,7 @@
           <a:p>
             <a:fld id="{428859CC-B640-4DB3-BB6F-301CDED75AAD}" type="datetimeFigureOut">
               <a:rPr lang="sv-SE" smtClean="0"/>
-              <a:t>2020-03-01</a:t>
+              <a:t>2020-03-02</a:t>
             </a:fld>
             <a:endParaRPr lang="sv-SE"/>
           </a:p>
@@ -5057,7 +5057,7 @@
           <a:p>
             <a:fld id="{428859CC-B640-4DB3-BB6F-301CDED75AAD}" type="datetimeFigureOut">
               <a:rPr lang="sv-SE" smtClean="0"/>
-              <a:t>2020-03-01</a:t>
+              <a:t>2020-03-02</a:t>
             </a:fld>
             <a:endParaRPr lang="sv-SE"/>
           </a:p>
@@ -5291,7 +5291,7 @@
           <a:p>
             <a:fld id="{428859CC-B640-4DB3-BB6F-301CDED75AAD}" type="datetimeFigureOut">
               <a:rPr lang="sv-SE" smtClean="0"/>
-              <a:t>2020-03-01</a:t>
+              <a:t>2020-03-02</a:t>
             </a:fld>
             <a:endParaRPr lang="sv-SE"/>
           </a:p>
@@ -5705,7 +5705,7 @@
           <a:p>
             <a:fld id="{428859CC-B640-4DB3-BB6F-301CDED75AAD}" type="datetimeFigureOut">
               <a:rPr lang="sv-SE" smtClean="0"/>
-              <a:t>2020-03-01</a:t>
+              <a:t>2020-03-02</a:t>
             </a:fld>
             <a:endParaRPr lang="sv-SE"/>
           </a:p>
@@ -6117,7 +6117,7 @@
           <a:p>
             <a:fld id="{428859CC-B640-4DB3-BB6F-301CDED75AAD}" type="datetimeFigureOut">
               <a:rPr lang="sv-SE" smtClean="0"/>
-              <a:t>2020-03-01</a:t>
+              <a:t>2020-03-02</a:t>
             </a:fld>
             <a:endParaRPr lang="sv-SE"/>
           </a:p>
@@ -6434,7 +6434,7 @@
           <a:p>
             <a:fld id="{428859CC-B640-4DB3-BB6F-301CDED75AAD}" type="datetimeFigureOut">
               <a:rPr lang="sv-SE" smtClean="0"/>
-              <a:t>2020-03-01</a:t>
+              <a:t>2020-03-02</a:t>
             </a:fld>
             <a:endParaRPr lang="sv-SE"/>
           </a:p>
@@ -6749,7 +6749,7 @@
           <a:p>
             <a:fld id="{428859CC-B640-4DB3-BB6F-301CDED75AAD}" type="datetimeFigureOut">
               <a:rPr lang="sv-SE" smtClean="0"/>
-              <a:t>2020-03-01</a:t>
+              <a:t>2020-03-02</a:t>
             </a:fld>
             <a:endParaRPr lang="sv-SE"/>
           </a:p>
@@ -7037,7 +7037,7 @@
           <a:p>
             <a:fld id="{428859CC-B640-4DB3-BB6F-301CDED75AAD}" type="datetimeFigureOut">
               <a:rPr lang="sv-SE" smtClean="0"/>
-              <a:t>2020-03-01</a:t>
+              <a:t>2020-03-02</a:t>
             </a:fld>
             <a:endParaRPr lang="sv-SE"/>
           </a:p>
@@ -7394,7 +7394,7 @@
           <a:p>
             <a:fld id="{428859CC-B640-4DB3-BB6F-301CDED75AAD}" type="datetimeFigureOut">
               <a:rPr lang="sv-SE" smtClean="0"/>
-              <a:t>2020-03-01</a:t>
+              <a:t>2020-03-02</a:t>
             </a:fld>
             <a:endParaRPr lang="sv-SE"/>
           </a:p>
@@ -7676,7 +7676,7 @@
           <a:p>
             <a:fld id="{428859CC-B640-4DB3-BB6F-301CDED75AAD}" type="datetimeFigureOut">
               <a:rPr lang="sv-SE" smtClean="0"/>
-              <a:t>2020-03-01</a:t>
+              <a:t>2020-03-02</a:t>
             </a:fld>
             <a:endParaRPr lang="sv-SE"/>
           </a:p>
@@ -24060,7 +24060,27 @@
                 <a:latin typeface="Courier New" panose="02070309020205020404" pitchFamily="49" charset="0"/>
                 <a:cs typeface="Courier New" panose="02070309020205020404" pitchFamily="49" charset="0"/>
               </a:rPr>
-              <a:t>="android.support.v4.content.FileProvider"</a:t>
+              <a:t>="</a:t>
+            </a:r>
+            <a:r>
+              <a:rPr lang="en-US" sz="2200" dirty="0" err="1">
+                <a:solidFill>
+                  <a:schemeClr val="tx1"/>
+                </a:solidFill>
+                <a:latin typeface="Courier New" panose="02070309020205020404" pitchFamily="49" charset="0"/>
+                <a:cs typeface="Courier New" panose="02070309020205020404" pitchFamily="49" charset="0"/>
+              </a:rPr>
+              <a:t>androidx.core.content.FileProvider</a:t>
+            </a:r>
+            <a:r>
+              <a:rPr lang="en-US" sz="2200" dirty="0">
+                <a:solidFill>
+                  <a:schemeClr val="tx1"/>
+                </a:solidFill>
+                <a:latin typeface="Courier New" panose="02070309020205020404" pitchFamily="49" charset="0"/>
+                <a:cs typeface="Courier New" panose="02070309020205020404" pitchFamily="49" charset="0"/>
+              </a:rPr>
+              <a:t>"</a:t>
             </a:r>
           </a:p>
           <a:p>
@@ -25505,8 +25525,8 @@
         </p:nvSpPr>
         <p:spPr>
           <a:xfrm>
-            <a:off x="2914650" y="3125751"/>
-            <a:ext cx="8004313" cy="1592744"/>
+            <a:off x="4333875" y="3125751"/>
+            <a:ext cx="6585088" cy="1592744"/>
           </a:xfrm>
           <a:prstGeom prst="rect">
             <a:avLst/>
@@ -25734,7 +25754,7 @@
                 <a:latin typeface="Courier New" panose="02070309020205020404" pitchFamily="49" charset="0"/>
                 <a:cs typeface="Courier New" panose="02070309020205020404" pitchFamily="49" charset="0"/>
               </a:rPr>
-              <a:t>  &lt;external-files-path name="pics" path="cars/" /&gt;</a:t>
+              <a:t>  &lt;files-path name="pics" path="cars/" /&gt;</a:t>
             </a:r>
           </a:p>
           <a:p>
@@ -26278,7 +26298,7 @@
         <p:spPr>
           <a:xfrm>
             <a:off x="838201" y="1825625"/>
-            <a:ext cx="10515600" cy="4826962"/>
+            <a:ext cx="10515600" cy="4024179"/>
           </a:xfrm>
           <a:prstGeom prst="rect">
             <a:avLst/>
@@ -26561,7 +26581,7 @@
                 <a:latin typeface="Courier New" panose="02070309020205020404" pitchFamily="49" charset="0"/>
                 <a:cs typeface="Courier New" panose="02070309020205020404" pitchFamily="49" charset="0"/>
               </a:rPr>
-              <a:t>aContext.getExternalFilesDir</a:t>
+              <a:t>aContext.getFilesDir</a:t>
             </a:r>
             <a:r>
               <a:rPr lang="fr-FR" sz="2000" dirty="0">
@@ -26571,18 +26591,123 @@
                 <a:latin typeface="Courier New" panose="02070309020205020404" pitchFamily="49" charset="0"/>
                 <a:cs typeface="Courier New" panose="02070309020205020404" pitchFamily="49" charset="0"/>
               </a:rPr>
+              <a:t>();</a:t>
+            </a:r>
+          </a:p>
+          <a:p>
+            <a:pPr marL="0" lvl="0" indent="0">
+              <a:buNone/>
+            </a:pPr>
+            <a:r>
+              <a:rPr lang="fr-FR" sz="2000" dirty="0">
+                <a:solidFill>
+                  <a:srgbClr val="000000"/>
+                </a:solidFill>
+                <a:latin typeface="Courier New" panose="02070309020205020404" pitchFamily="49" charset="0"/>
+                <a:cs typeface="Courier New" panose="02070309020205020404" pitchFamily="49" charset="0"/>
+              </a:rPr>
+              <a:t>File </a:t>
+            </a:r>
+            <a:r>
+              <a:rPr lang="fr-FR" sz="2000" dirty="0" err="1">
+                <a:solidFill>
+                  <a:srgbClr val="000000"/>
+                </a:solidFill>
+                <a:latin typeface="Courier New" panose="02070309020205020404" pitchFamily="49" charset="0"/>
+                <a:cs typeface="Courier New" panose="02070309020205020404" pitchFamily="49" charset="0"/>
+              </a:rPr>
+              <a:t>file</a:t>
+            </a:r>
+            <a:r>
+              <a:rPr lang="fr-FR" sz="2000" dirty="0">
+                <a:solidFill>
+                  <a:srgbClr val="000000"/>
+                </a:solidFill>
+                <a:latin typeface="Courier New" panose="02070309020205020404" pitchFamily="49" charset="0"/>
+                <a:cs typeface="Courier New" panose="02070309020205020404" pitchFamily="49" charset="0"/>
+              </a:rPr>
+              <a:t> = </a:t>
+            </a:r>
+            <a:r>
+              <a:rPr lang="fr-FR" sz="2000" b="1" dirty="0">
+                <a:solidFill>
+                  <a:schemeClr val="tx2"/>
+                </a:solidFill>
+                <a:latin typeface="Courier New" panose="02070309020205020404" pitchFamily="49" charset="0"/>
+                <a:cs typeface="Courier New" panose="02070309020205020404" pitchFamily="49" charset="0"/>
+              </a:rPr>
+              <a:t>new</a:t>
+            </a:r>
+            <a:r>
+              <a:rPr lang="fr-FR" sz="2000" dirty="0">
+                <a:solidFill>
+                  <a:srgbClr val="000000"/>
+                </a:solidFill>
+                <a:latin typeface="Courier New" panose="02070309020205020404" pitchFamily="49" charset="0"/>
+                <a:cs typeface="Courier New" panose="02070309020205020404" pitchFamily="49" charset="0"/>
+              </a:rPr>
+              <a:t> File(folder, "cars/my-file.jpeg");</a:t>
+            </a:r>
+          </a:p>
+          <a:p>
+            <a:pPr marL="0" lvl="0" indent="0">
+              <a:buNone/>
+            </a:pPr>
+            <a:r>
+              <a:rPr lang="fr-FR" sz="2000" dirty="0">
+                <a:solidFill>
+                  <a:srgbClr val="000000"/>
+                </a:solidFill>
+                <a:latin typeface="Courier New" panose="02070309020205020404" pitchFamily="49" charset="0"/>
+                <a:cs typeface="Courier New" panose="02070309020205020404" pitchFamily="49" charset="0"/>
+              </a:rPr>
+              <a:t>Uri </a:t>
+            </a:r>
+            <a:r>
+              <a:rPr lang="fr-FR" sz="2000" dirty="0" err="1">
+                <a:solidFill>
+                  <a:srgbClr val="000000"/>
+                </a:solidFill>
+                <a:latin typeface="Courier New" panose="02070309020205020404" pitchFamily="49" charset="0"/>
+                <a:cs typeface="Courier New" panose="02070309020205020404" pitchFamily="49" charset="0"/>
+              </a:rPr>
+              <a:t>fileUri</a:t>
+            </a:r>
+            <a:r>
+              <a:rPr lang="fr-FR" sz="2000" dirty="0">
+                <a:solidFill>
+                  <a:srgbClr val="000000"/>
+                </a:solidFill>
+                <a:latin typeface="Courier New" panose="02070309020205020404" pitchFamily="49" charset="0"/>
+                <a:cs typeface="Courier New" panose="02070309020205020404" pitchFamily="49" charset="0"/>
+              </a:rPr>
+              <a:t> = </a:t>
+            </a:r>
+            <a:r>
+              <a:rPr lang="fr-FR" sz="2000" dirty="0" err="1">
+                <a:solidFill>
+                  <a:srgbClr val="000000"/>
+                </a:solidFill>
+                <a:latin typeface="Courier New" panose="02070309020205020404" pitchFamily="49" charset="0"/>
+                <a:cs typeface="Courier New" panose="02070309020205020404" pitchFamily="49" charset="0"/>
+              </a:rPr>
+              <a:t>FileProvider.getUriForFile</a:t>
+            </a:r>
+            <a:r>
+              <a:rPr lang="fr-FR" sz="2000" dirty="0">
+                <a:solidFill>
+                  <a:srgbClr val="000000"/>
+                </a:solidFill>
+                <a:latin typeface="Courier New" panose="02070309020205020404" pitchFamily="49" charset="0"/>
+                <a:cs typeface="Courier New" panose="02070309020205020404" pitchFamily="49" charset="0"/>
+              </a:rPr>
               <a:t>(</a:t>
             </a:r>
-            <a:r>
-              <a:rPr lang="fr-FR" sz="2000" b="1" dirty="0" err="1">
-                <a:solidFill>
-                  <a:schemeClr val="tx2"/>
-                </a:solidFill>
-                <a:latin typeface="Courier New" panose="02070309020205020404" pitchFamily="49" charset="0"/>
-                <a:cs typeface="Courier New" panose="02070309020205020404" pitchFamily="49" charset="0"/>
-              </a:rPr>
-              <a:t>null</a:t>
-            </a:r>
+          </a:p>
+          <a:p>
+            <a:pPr marL="0" lvl="0" indent="0">
+              <a:buNone/>
+            </a:pPr>
             <a:r>
               <a:rPr lang="fr-FR" sz="2000" dirty="0">
                 <a:solidFill>
@@ -26591,6 +26716,91 @@
                 <a:latin typeface="Courier New" panose="02070309020205020404" pitchFamily="49" charset="0"/>
                 <a:cs typeface="Courier New" panose="02070309020205020404" pitchFamily="49" charset="0"/>
               </a:rPr>
+              <a:t>  </a:t>
+            </a:r>
+            <a:r>
+              <a:rPr lang="fr-FR" sz="2000" dirty="0" err="1">
+                <a:solidFill>
+                  <a:srgbClr val="000000"/>
+                </a:solidFill>
+                <a:latin typeface="Courier New" panose="02070309020205020404" pitchFamily="49" charset="0"/>
+                <a:cs typeface="Courier New" panose="02070309020205020404" pitchFamily="49" charset="0"/>
+              </a:rPr>
+              <a:t>aContext</a:t>
+            </a:r>
+            <a:r>
+              <a:rPr lang="fr-FR" sz="2000" dirty="0">
+                <a:solidFill>
+                  <a:srgbClr val="000000"/>
+                </a:solidFill>
+                <a:latin typeface="Courier New" panose="02070309020205020404" pitchFamily="49" charset="0"/>
+                <a:cs typeface="Courier New" panose="02070309020205020404" pitchFamily="49" charset="0"/>
+              </a:rPr>
+              <a:t>,</a:t>
+            </a:r>
+          </a:p>
+          <a:p>
+            <a:pPr marL="0" lvl="0" indent="0">
+              <a:buNone/>
+            </a:pPr>
+            <a:r>
+              <a:rPr lang="fr-FR" sz="2000" dirty="0">
+                <a:solidFill>
+                  <a:srgbClr val="000000"/>
+                </a:solidFill>
+                <a:latin typeface="Courier New" panose="02070309020205020404" pitchFamily="49" charset="0"/>
+                <a:cs typeface="Courier New" panose="02070309020205020404" pitchFamily="49" charset="0"/>
+              </a:rPr>
+              <a:t>  "</a:t>
+            </a:r>
+            <a:r>
+              <a:rPr lang="fr-FR" sz="2000" dirty="0" err="1">
+                <a:solidFill>
+                  <a:srgbClr val="000000"/>
+                </a:solidFill>
+                <a:latin typeface="Courier New" panose="02070309020205020404" pitchFamily="49" charset="0"/>
+                <a:cs typeface="Courier New" panose="02070309020205020404" pitchFamily="49" charset="0"/>
+              </a:rPr>
+              <a:t>se.ju.larpet.fileprovider</a:t>
+            </a:r>
+            <a:r>
+              <a:rPr lang="fr-FR" sz="2000" dirty="0">
+                <a:solidFill>
+                  <a:srgbClr val="000000"/>
+                </a:solidFill>
+                <a:latin typeface="Courier New" panose="02070309020205020404" pitchFamily="49" charset="0"/>
+                <a:cs typeface="Courier New" panose="02070309020205020404" pitchFamily="49" charset="0"/>
+              </a:rPr>
+              <a:t>",</a:t>
+            </a:r>
+          </a:p>
+          <a:p>
+            <a:pPr marL="0" lvl="0" indent="0">
+              <a:buNone/>
+            </a:pPr>
+            <a:r>
+              <a:rPr lang="fr-FR" sz="2000" dirty="0">
+                <a:solidFill>
+                  <a:srgbClr val="000000"/>
+                </a:solidFill>
+                <a:latin typeface="Courier New" panose="02070309020205020404" pitchFamily="49" charset="0"/>
+                <a:cs typeface="Courier New" panose="02070309020205020404" pitchFamily="49" charset="0"/>
+              </a:rPr>
+              <a:t>  file</a:t>
+            </a:r>
+          </a:p>
+          <a:p>
+            <a:pPr marL="0" lvl="0" indent="0">
+              <a:buNone/>
+            </a:pPr>
+            <a:r>
+              <a:rPr lang="fr-FR" sz="2000" dirty="0">
+                <a:solidFill>
+                  <a:srgbClr val="000000"/>
+                </a:solidFill>
+                <a:latin typeface="Courier New" panose="02070309020205020404" pitchFamily="49" charset="0"/>
+                <a:cs typeface="Courier New" panose="02070309020205020404" pitchFamily="49" charset="0"/>
+              </a:rPr>
               <a:t>);</a:t>
             </a:r>
           </a:p>
@@ -26599,6 +26809,16 @@
               <a:buNone/>
             </a:pPr>
             <a:r>
+              <a:rPr lang="fr-FR" sz="2000" dirty="0" err="1">
+                <a:solidFill>
+                  <a:srgbClr val="000000"/>
+                </a:solidFill>
+                <a:latin typeface="Courier New" panose="02070309020205020404" pitchFamily="49" charset="0"/>
+                <a:cs typeface="Courier New" panose="02070309020205020404" pitchFamily="49" charset="0"/>
+              </a:rPr>
+              <a:t>intent.putExtra</a:t>
+            </a:r>
+            <a:r>
               <a:rPr lang="fr-FR" sz="2000" dirty="0">
                 <a:solidFill>
                   <a:srgbClr val="000000"/>
@@ -26606,7 +26826,7 @@
                 <a:latin typeface="Courier New" panose="02070309020205020404" pitchFamily="49" charset="0"/>
                 <a:cs typeface="Courier New" panose="02070309020205020404" pitchFamily="49" charset="0"/>
               </a:rPr>
-              <a:t>File </a:t>
+              <a:t>(</a:t>
             </a:r>
             <a:r>
               <a:rPr lang="fr-FR" sz="2000" dirty="0" err="1">
@@ -26616,7 +26836,7 @@
                 <a:latin typeface="Courier New" panose="02070309020205020404" pitchFamily="49" charset="0"/>
                 <a:cs typeface="Courier New" panose="02070309020205020404" pitchFamily="49" charset="0"/>
               </a:rPr>
-              <a:t>file</a:t>
+              <a:t>MediaStore.EXTRA_OUTPUT</a:t>
             </a:r>
             <a:r>
               <a:rPr lang="fr-FR" sz="2000" dirty="0">
@@ -26626,17 +26846,17 @@
                 <a:latin typeface="Courier New" panose="02070309020205020404" pitchFamily="49" charset="0"/>
                 <a:cs typeface="Courier New" panose="02070309020205020404" pitchFamily="49" charset="0"/>
               </a:rPr>
-              <a:t> = </a:t>
-            </a:r>
-            <a:r>
-              <a:rPr lang="fr-FR" sz="2000" b="1" dirty="0">
-                <a:solidFill>
-                  <a:schemeClr val="tx2"/>
-                </a:solidFill>
-                <a:latin typeface="Courier New" panose="02070309020205020404" pitchFamily="49" charset="0"/>
-                <a:cs typeface="Courier New" panose="02070309020205020404" pitchFamily="49" charset="0"/>
-              </a:rPr>
-              <a:t>new</a:t>
+              <a:t>, </a:t>
+            </a:r>
+            <a:r>
+              <a:rPr lang="fr-FR" sz="2000" dirty="0" err="1">
+                <a:solidFill>
+                  <a:srgbClr val="000000"/>
+                </a:solidFill>
+                <a:latin typeface="Courier New" panose="02070309020205020404" pitchFamily="49" charset="0"/>
+                <a:cs typeface="Courier New" panose="02070309020205020404" pitchFamily="49" charset="0"/>
+              </a:rPr>
+              <a:t>fileUri</a:t>
             </a:r>
             <a:r>
               <a:rPr lang="fr-FR" sz="2000" dirty="0">
@@ -26646,7 +26866,7 @@
                 <a:latin typeface="Courier New" panose="02070309020205020404" pitchFamily="49" charset="0"/>
                 <a:cs typeface="Courier New" panose="02070309020205020404" pitchFamily="49" charset="0"/>
               </a:rPr>
-              <a:t> File(folder, "cars/my-file.jpeg");</a:t>
+              <a:t>);</a:t>
             </a:r>
           </a:p>
           <a:p>
@@ -26654,6 +26874,16 @@
               <a:buNone/>
             </a:pPr>
             <a:r>
+              <a:rPr lang="fr-FR" sz="2000" dirty="0" err="1">
+                <a:solidFill>
+                  <a:srgbClr val="000000"/>
+                </a:solidFill>
+                <a:latin typeface="Courier New" panose="02070309020205020404" pitchFamily="49" charset="0"/>
+                <a:cs typeface="Courier New" panose="02070309020205020404" pitchFamily="49" charset="0"/>
+              </a:rPr>
+              <a:t>startActivityForResult</a:t>
+            </a:r>
+            <a:r>
               <a:rPr lang="fr-FR" sz="2000" dirty="0">
                 <a:solidFill>
                   <a:srgbClr val="000000"/>
@@ -26661,7 +26891,7 @@
                 <a:latin typeface="Courier New" panose="02070309020205020404" pitchFamily="49" charset="0"/>
                 <a:cs typeface="Courier New" panose="02070309020205020404" pitchFamily="49" charset="0"/>
               </a:rPr>
-              <a:t>Uri </a:t>
+              <a:t>(</a:t>
             </a:r>
             <a:r>
               <a:rPr lang="fr-FR" sz="2000" dirty="0" err="1">
@@ -26671,7 +26901,7 @@
                 <a:latin typeface="Courier New" panose="02070309020205020404" pitchFamily="49" charset="0"/>
                 <a:cs typeface="Courier New" panose="02070309020205020404" pitchFamily="49" charset="0"/>
               </a:rPr>
-              <a:t>fileUri</a:t>
+              <a:t>intent</a:t>
             </a:r>
             <a:r>
               <a:rPr lang="fr-FR" sz="2000" dirty="0">
@@ -26681,398 +26911,7 @@
                 <a:latin typeface="Courier New" panose="02070309020205020404" pitchFamily="49" charset="0"/>
                 <a:cs typeface="Courier New" panose="02070309020205020404" pitchFamily="49" charset="0"/>
               </a:rPr>
-              <a:t> = </a:t>
-            </a:r>
-            <a:r>
-              <a:rPr lang="fr-FR" sz="2000" dirty="0" err="1">
-                <a:solidFill>
-                  <a:srgbClr val="000000"/>
-                </a:solidFill>
-                <a:latin typeface="Courier New" panose="02070309020205020404" pitchFamily="49" charset="0"/>
-                <a:cs typeface="Courier New" panose="02070309020205020404" pitchFamily="49" charset="0"/>
-              </a:rPr>
-              <a:t>FileProvider.getUriForFile</a:t>
-            </a:r>
-            <a:r>
-              <a:rPr lang="fr-FR" sz="2000" dirty="0">
-                <a:solidFill>
-                  <a:srgbClr val="000000"/>
-                </a:solidFill>
-                <a:latin typeface="Courier New" panose="02070309020205020404" pitchFamily="49" charset="0"/>
-                <a:cs typeface="Courier New" panose="02070309020205020404" pitchFamily="49" charset="0"/>
-              </a:rPr>
-              <a:t>(</a:t>
-            </a:r>
-          </a:p>
-          <a:p>
-            <a:pPr marL="0" lvl="0" indent="0">
-              <a:buNone/>
-            </a:pPr>
-            <a:r>
-              <a:rPr lang="fr-FR" sz="2000" dirty="0">
-                <a:solidFill>
-                  <a:srgbClr val="000000"/>
-                </a:solidFill>
-                <a:latin typeface="Courier New" panose="02070309020205020404" pitchFamily="49" charset="0"/>
-                <a:cs typeface="Courier New" panose="02070309020205020404" pitchFamily="49" charset="0"/>
-              </a:rPr>
-              <a:t>  </a:t>
-            </a:r>
-            <a:r>
-              <a:rPr lang="fr-FR" sz="2000" dirty="0" err="1">
-                <a:solidFill>
-                  <a:srgbClr val="000000"/>
-                </a:solidFill>
-                <a:latin typeface="Courier New" panose="02070309020205020404" pitchFamily="49" charset="0"/>
-                <a:cs typeface="Courier New" panose="02070309020205020404" pitchFamily="49" charset="0"/>
-              </a:rPr>
-              <a:t>aContext</a:t>
-            </a:r>
-            <a:r>
-              <a:rPr lang="fr-FR" sz="2000" dirty="0">
-                <a:solidFill>
-                  <a:srgbClr val="000000"/>
-                </a:solidFill>
-                <a:latin typeface="Courier New" panose="02070309020205020404" pitchFamily="49" charset="0"/>
-                <a:cs typeface="Courier New" panose="02070309020205020404" pitchFamily="49" charset="0"/>
-              </a:rPr>
-              <a:t>,</a:t>
-            </a:r>
-          </a:p>
-          <a:p>
-            <a:pPr marL="0" lvl="0" indent="0">
-              <a:buNone/>
-            </a:pPr>
-            <a:r>
-              <a:rPr lang="fr-FR" sz="2000" dirty="0">
-                <a:solidFill>
-                  <a:srgbClr val="000000"/>
-                </a:solidFill>
-                <a:latin typeface="Courier New" panose="02070309020205020404" pitchFamily="49" charset="0"/>
-                <a:cs typeface="Courier New" panose="02070309020205020404" pitchFamily="49" charset="0"/>
-              </a:rPr>
-              <a:t>  "</a:t>
-            </a:r>
-            <a:r>
-              <a:rPr lang="fr-FR" sz="2000" dirty="0" err="1">
-                <a:solidFill>
-                  <a:srgbClr val="000000"/>
-                </a:solidFill>
-                <a:latin typeface="Courier New" panose="02070309020205020404" pitchFamily="49" charset="0"/>
-                <a:cs typeface="Courier New" panose="02070309020205020404" pitchFamily="49" charset="0"/>
-              </a:rPr>
-              <a:t>se.ju.larpet.fileprovider</a:t>
-            </a:r>
-            <a:r>
-              <a:rPr lang="fr-FR" sz="2000" dirty="0">
-                <a:solidFill>
-                  <a:srgbClr val="000000"/>
-                </a:solidFill>
-                <a:latin typeface="Courier New" panose="02070309020205020404" pitchFamily="49" charset="0"/>
-                <a:cs typeface="Courier New" panose="02070309020205020404" pitchFamily="49" charset="0"/>
-              </a:rPr>
-              <a:t>",</a:t>
-            </a:r>
-          </a:p>
-          <a:p>
-            <a:pPr marL="0" lvl="0" indent="0">
-              <a:buNone/>
-            </a:pPr>
-            <a:r>
-              <a:rPr lang="fr-FR" sz="2000" dirty="0">
-                <a:solidFill>
-                  <a:srgbClr val="000000"/>
-                </a:solidFill>
-                <a:latin typeface="Courier New" panose="02070309020205020404" pitchFamily="49" charset="0"/>
-                <a:cs typeface="Courier New" panose="02070309020205020404" pitchFamily="49" charset="0"/>
-              </a:rPr>
-              <a:t>  file</a:t>
-            </a:r>
-          </a:p>
-          <a:p>
-            <a:pPr marL="0" lvl="0" indent="0">
-              <a:buNone/>
-            </a:pPr>
-            <a:r>
-              <a:rPr lang="fr-FR" sz="2000" dirty="0">
-                <a:solidFill>
-                  <a:srgbClr val="000000"/>
-                </a:solidFill>
-                <a:latin typeface="Courier New" panose="02070309020205020404" pitchFamily="49" charset="0"/>
-                <a:cs typeface="Courier New" panose="02070309020205020404" pitchFamily="49" charset="0"/>
-              </a:rPr>
-              <a:t>);</a:t>
-            </a:r>
-          </a:p>
-          <a:p>
-            <a:pPr marL="0" lvl="0" indent="0">
-              <a:buNone/>
-            </a:pPr>
-            <a:r>
-              <a:rPr lang="fr-FR" sz="2000" dirty="0" err="1">
-                <a:solidFill>
-                  <a:srgbClr val="000000"/>
-                </a:solidFill>
-                <a:latin typeface="Courier New" panose="02070309020205020404" pitchFamily="49" charset="0"/>
-                <a:cs typeface="Courier New" panose="02070309020205020404" pitchFamily="49" charset="0"/>
-              </a:rPr>
-              <a:t>intent.putExtra</a:t>
-            </a:r>
-            <a:r>
-              <a:rPr lang="fr-FR" sz="2000" dirty="0">
-                <a:solidFill>
-                  <a:srgbClr val="000000"/>
-                </a:solidFill>
-                <a:latin typeface="Courier New" panose="02070309020205020404" pitchFamily="49" charset="0"/>
-                <a:cs typeface="Courier New" panose="02070309020205020404" pitchFamily="49" charset="0"/>
-              </a:rPr>
-              <a:t>(</a:t>
-            </a:r>
-            <a:r>
-              <a:rPr lang="fr-FR" sz="2000" dirty="0" err="1">
-                <a:solidFill>
-                  <a:srgbClr val="000000"/>
-                </a:solidFill>
-                <a:latin typeface="Courier New" panose="02070309020205020404" pitchFamily="49" charset="0"/>
-                <a:cs typeface="Courier New" panose="02070309020205020404" pitchFamily="49" charset="0"/>
-              </a:rPr>
-              <a:t>MediaStore.EXTRA_OUTPUT</a:t>
-            </a:r>
-            <a:r>
-              <a:rPr lang="fr-FR" sz="2000" dirty="0">
-                <a:solidFill>
-                  <a:srgbClr val="000000"/>
-                </a:solidFill>
-                <a:latin typeface="Courier New" panose="02070309020205020404" pitchFamily="49" charset="0"/>
-                <a:cs typeface="Courier New" panose="02070309020205020404" pitchFamily="49" charset="0"/>
-              </a:rPr>
-              <a:t>, </a:t>
-            </a:r>
-            <a:r>
-              <a:rPr lang="fr-FR" sz="2000" dirty="0" err="1">
-                <a:solidFill>
-                  <a:srgbClr val="000000"/>
-                </a:solidFill>
-                <a:latin typeface="Courier New" panose="02070309020205020404" pitchFamily="49" charset="0"/>
-                <a:cs typeface="Courier New" panose="02070309020205020404" pitchFamily="49" charset="0"/>
-              </a:rPr>
-              <a:t>fileUri</a:t>
-            </a:r>
-            <a:r>
-              <a:rPr lang="fr-FR" sz="2000" dirty="0">
-                <a:solidFill>
-                  <a:srgbClr val="000000"/>
-                </a:solidFill>
-                <a:latin typeface="Courier New" panose="02070309020205020404" pitchFamily="49" charset="0"/>
-                <a:cs typeface="Courier New" panose="02070309020205020404" pitchFamily="49" charset="0"/>
-              </a:rPr>
-              <a:t>);</a:t>
-            </a:r>
-          </a:p>
-          <a:p>
-            <a:pPr marL="0" lvl="0" indent="0">
-              <a:buNone/>
-            </a:pPr>
-            <a:r>
-              <a:rPr lang="fr-FR" sz="2000" dirty="0" err="1">
-                <a:solidFill>
-                  <a:srgbClr val="000000"/>
-                </a:solidFill>
-                <a:latin typeface="Courier New" panose="02070309020205020404" pitchFamily="49" charset="0"/>
-                <a:cs typeface="Courier New" panose="02070309020205020404" pitchFamily="49" charset="0"/>
-              </a:rPr>
-              <a:t>intent.setClipData</a:t>
-            </a:r>
-            <a:r>
-              <a:rPr lang="fr-FR" sz="2000" dirty="0">
-                <a:solidFill>
-                  <a:srgbClr val="000000"/>
-                </a:solidFill>
-                <a:latin typeface="Courier New" panose="02070309020205020404" pitchFamily="49" charset="0"/>
-                <a:cs typeface="Courier New" panose="02070309020205020404" pitchFamily="49" charset="0"/>
-              </a:rPr>
-              <a:t>(</a:t>
-            </a:r>
-            <a:r>
-              <a:rPr lang="fr-FR" sz="2000" dirty="0" err="1">
-                <a:solidFill>
-                  <a:srgbClr val="000000"/>
-                </a:solidFill>
-                <a:latin typeface="Courier New" panose="02070309020205020404" pitchFamily="49" charset="0"/>
-                <a:cs typeface="Courier New" panose="02070309020205020404" pitchFamily="49" charset="0"/>
-              </a:rPr>
-              <a:t>ClipData.newRawUri</a:t>
-            </a:r>
-            <a:r>
-              <a:rPr lang="fr-FR" sz="2000" dirty="0">
-                <a:solidFill>
-                  <a:srgbClr val="000000"/>
-                </a:solidFill>
-                <a:latin typeface="Courier New" panose="02070309020205020404" pitchFamily="49" charset="0"/>
-                <a:cs typeface="Courier New" panose="02070309020205020404" pitchFamily="49" charset="0"/>
-              </a:rPr>
-              <a:t>("", </a:t>
-            </a:r>
-            <a:r>
-              <a:rPr lang="fr-FR" sz="2000" dirty="0" err="1">
-                <a:solidFill>
-                  <a:srgbClr val="000000"/>
-                </a:solidFill>
-                <a:latin typeface="Courier New" panose="02070309020205020404" pitchFamily="49" charset="0"/>
-                <a:cs typeface="Courier New" panose="02070309020205020404" pitchFamily="49" charset="0"/>
-              </a:rPr>
-              <a:t>fileUri</a:t>
-            </a:r>
-            <a:r>
-              <a:rPr lang="fr-FR" sz="2000" dirty="0">
-                <a:solidFill>
-                  <a:srgbClr val="000000"/>
-                </a:solidFill>
-                <a:latin typeface="Courier New" panose="02070309020205020404" pitchFamily="49" charset="0"/>
-                <a:cs typeface="Courier New" panose="02070309020205020404" pitchFamily="49" charset="0"/>
-              </a:rPr>
-              <a:t>));</a:t>
-            </a:r>
-          </a:p>
-          <a:p>
-            <a:pPr marL="0" lvl="0" indent="0">
-              <a:buNone/>
-            </a:pPr>
-            <a:r>
-              <a:rPr lang="fr-FR" sz="2000" dirty="0" err="1">
-                <a:solidFill>
-                  <a:srgbClr val="000000"/>
-                </a:solidFill>
-                <a:latin typeface="Courier New" panose="02070309020205020404" pitchFamily="49" charset="0"/>
-                <a:cs typeface="Courier New" panose="02070309020205020404" pitchFamily="49" charset="0"/>
-              </a:rPr>
-              <a:t>intent.addFlags</a:t>
-            </a:r>
-            <a:r>
-              <a:rPr lang="fr-FR" sz="2000" dirty="0">
-                <a:solidFill>
-                  <a:srgbClr val="000000"/>
-                </a:solidFill>
-                <a:latin typeface="Courier New" panose="02070309020205020404" pitchFamily="49" charset="0"/>
-                <a:cs typeface="Courier New" panose="02070309020205020404" pitchFamily="49" charset="0"/>
-              </a:rPr>
-              <a:t>(</a:t>
-            </a:r>
-            <a:r>
-              <a:rPr lang="fr-FR" sz="2000" dirty="0" err="1">
-                <a:solidFill>
-                  <a:srgbClr val="000000"/>
-                </a:solidFill>
-                <a:latin typeface="Courier New" panose="02070309020205020404" pitchFamily="49" charset="0"/>
-                <a:cs typeface="Courier New" panose="02070309020205020404" pitchFamily="49" charset="0"/>
-              </a:rPr>
-              <a:t>Intent.FLAG_GRANT_WRITE_URI_PERMISSION</a:t>
-            </a:r>
-            <a:r>
-              <a:rPr lang="fr-FR" sz="2000" dirty="0">
-                <a:solidFill>
-                  <a:srgbClr val="000000"/>
-                </a:solidFill>
-                <a:latin typeface="Courier New" panose="02070309020205020404" pitchFamily="49" charset="0"/>
-                <a:cs typeface="Courier New" panose="02070309020205020404" pitchFamily="49" charset="0"/>
-              </a:rPr>
-              <a:t>);</a:t>
-            </a:r>
-          </a:p>
-          <a:p>
-            <a:pPr marL="0" lvl="0" indent="0">
-              <a:buNone/>
-            </a:pPr>
-            <a:r>
-              <a:rPr lang="fr-FR" sz="2000" dirty="0" err="1">
-                <a:solidFill>
-                  <a:srgbClr val="000000"/>
-                </a:solidFill>
-                <a:latin typeface="Courier New" panose="02070309020205020404" pitchFamily="49" charset="0"/>
-                <a:cs typeface="Courier New" panose="02070309020205020404" pitchFamily="49" charset="0"/>
-              </a:rPr>
-              <a:t>startActivityForResult</a:t>
-            </a:r>
-            <a:r>
-              <a:rPr lang="fr-FR" sz="2000" dirty="0">
-                <a:solidFill>
-                  <a:srgbClr val="000000"/>
-                </a:solidFill>
-                <a:latin typeface="Courier New" panose="02070309020205020404" pitchFamily="49" charset="0"/>
-                <a:cs typeface="Courier New" panose="02070309020205020404" pitchFamily="49" charset="0"/>
-              </a:rPr>
-              <a:t>(</a:t>
-            </a:r>
-            <a:r>
-              <a:rPr lang="fr-FR" sz="2000" dirty="0" err="1">
-                <a:solidFill>
-                  <a:srgbClr val="000000"/>
-                </a:solidFill>
-                <a:latin typeface="Courier New" panose="02070309020205020404" pitchFamily="49" charset="0"/>
-                <a:cs typeface="Courier New" panose="02070309020205020404" pitchFamily="49" charset="0"/>
-              </a:rPr>
-              <a:t>intent</a:t>
-            </a:r>
-            <a:r>
-              <a:rPr lang="fr-FR" sz="2000" dirty="0">
-                <a:solidFill>
-                  <a:srgbClr val="000000"/>
-                </a:solidFill>
-                <a:latin typeface="Courier New" panose="02070309020205020404" pitchFamily="49" charset="0"/>
-                <a:cs typeface="Courier New" panose="02070309020205020404" pitchFamily="49" charset="0"/>
-              </a:rPr>
-              <a:t>, 123);</a:t>
-            </a:r>
-          </a:p>
-        </p:txBody>
-      </p:sp>
-      <p:sp>
-        <p:nvSpPr>
-          <p:cNvPr id="9" name="Cloud 8">
-            <a:extLst>
-              <a:ext uri="{FF2B5EF4-FFF2-40B4-BE49-F238E27FC236}">
-                <a16:creationId xmlns:a16="http://schemas.microsoft.com/office/drawing/2014/main" id="{4674621E-A0A1-4BAB-AE4D-A5EFD65F067E}"/>
-              </a:ext>
-            </a:extLst>
-          </p:cNvPr>
-          <p:cNvSpPr/>
-          <p:nvPr/>
-        </p:nvSpPr>
-        <p:spPr>
-          <a:xfrm>
-            <a:off x="6867939" y="2962015"/>
-            <a:ext cx="5192820" cy="1967794"/>
-          </a:xfrm>
-          <a:prstGeom prst="cloud">
-            <a:avLst/>
-          </a:prstGeom>
-        </p:spPr>
-        <p:style>
-          <a:lnRef idx="2">
-            <a:schemeClr val="accent1">
-              <a:shade val="50000"/>
-            </a:schemeClr>
-          </a:lnRef>
-          <a:fillRef idx="1">
-            <a:schemeClr val="accent1"/>
-          </a:fillRef>
-          <a:effectRef idx="0">
-            <a:schemeClr val="accent1"/>
-          </a:effectRef>
-          <a:fontRef idx="minor">
-            <a:schemeClr val="lt1"/>
-          </a:fontRef>
-        </p:style>
-        <p:txBody>
-          <a:bodyPr rtlCol="0" anchor="ctr"/>
-          <a:lstStyle/>
-          <a:p>
-            <a:pPr algn="ctr"/>
-            <a:r>
-              <a:rPr lang="en-US" sz="2400" dirty="0">
-                <a:latin typeface="Georgia" panose="02040502050405020303" pitchFamily="18" charset="0"/>
-              </a:rPr>
-              <a:t>You need a file provider giving the camera app an output stream.</a:t>
+              <a:t>, 1234);</a:t>
             </a:r>
           </a:p>
         </p:txBody>
@@ -27482,7 +27321,7 @@
                             </p:stCondLst>
                             <p:childTnLst>
                               <p:par>
-                                <p:cTn id="35" presetID="1" presetClass="entr" presetSubtype="0" fill="hold" grpId="0" nodeType="clickEffect">
+                                <p:cTn id="35" presetID="1" presetClass="entr" presetSubtype="0" fill="hold" nodeType="clickEffect">
                                   <p:stCondLst>
                                     <p:cond delay="0"/>
                                   </p:stCondLst>
@@ -27495,7 +27334,11 @@
                                           </p:stCondLst>
                                         </p:cTn>
                                         <p:tgtEl>
-                                          <p:spTgt spid="9"/>
+                                          <p:spTgt spid="10">
+                                            <p:txEl>
+                                              <p:pRg st="8" end="8"/>
+                                            </p:txEl>
+                                          </p:spTgt>
                                         </p:tgtEl>
                                         <p:attrNameLst>
                                           <p:attrName>style.visibility</p:attrName>
@@ -27542,154 +27385,7 @@
                                         <p:tgtEl>
                                           <p:spTgt spid="10">
                                             <p:txEl>
-                                              <p:pRg st="8" end="8"/>
-                                            </p:txEl>
-                                          </p:spTgt>
-                                        </p:tgtEl>
-                                        <p:attrNameLst>
-                                          <p:attrName>style.visibility</p:attrName>
-                                        </p:attrNameLst>
-                                      </p:cBhvr>
-                                      <p:to>
-                                        <p:strVal val="visible"/>
-                                      </p:to>
-                                    </p:set>
-                                  </p:childTnLst>
-                                </p:cTn>
-                              </p:par>
-                            </p:childTnLst>
-                          </p:cTn>
-                        </p:par>
-                      </p:childTnLst>
-                    </p:cTn>
-                  </p:par>
-                  <p:par>
-                    <p:cTn id="41" fill="hold">
-                      <p:stCondLst>
-                        <p:cond delay="indefinite"/>
-                      </p:stCondLst>
-                      <p:childTnLst>
-                        <p:par>
-                          <p:cTn id="42" fill="hold">
-                            <p:stCondLst>
-                              <p:cond delay="0"/>
-                            </p:stCondLst>
-                            <p:childTnLst>
-                              <p:par>
-                                <p:cTn id="43" presetID="1" presetClass="entr" presetSubtype="0" fill="hold" nodeType="clickEffect">
-                                  <p:stCondLst>
-                                    <p:cond delay="0"/>
-                                  </p:stCondLst>
-                                  <p:childTnLst>
-                                    <p:set>
-                                      <p:cBhvr>
-                                        <p:cTn id="44" dur="1" fill="hold">
-                                          <p:stCondLst>
-                                            <p:cond delay="0"/>
-                                          </p:stCondLst>
-                                        </p:cTn>
-                                        <p:tgtEl>
-                                          <p:spTgt spid="10">
-                                            <p:txEl>
-                                              <p:pRg st="11" end="11"/>
-                                            </p:txEl>
-                                          </p:spTgt>
-                                        </p:tgtEl>
-                                        <p:attrNameLst>
-                                          <p:attrName>style.visibility</p:attrName>
-                                        </p:attrNameLst>
-                                      </p:cBhvr>
-                                      <p:to>
-                                        <p:strVal val="visible"/>
-                                      </p:to>
-                                    </p:set>
-                                  </p:childTnLst>
-                                </p:cTn>
-                              </p:par>
-                            </p:childTnLst>
-                          </p:cTn>
-                        </p:par>
-                      </p:childTnLst>
-                    </p:cTn>
-                  </p:par>
-                  <p:par>
-                    <p:cTn id="45" fill="hold">
-                      <p:stCondLst>
-                        <p:cond delay="indefinite"/>
-                      </p:stCondLst>
-                      <p:childTnLst>
-                        <p:par>
-                          <p:cTn id="46" fill="hold">
-                            <p:stCondLst>
-                              <p:cond delay="0"/>
-                            </p:stCondLst>
-                            <p:childTnLst>
-                              <p:par>
-                                <p:cTn id="47" presetID="1" presetClass="entr" presetSubtype="0" fill="hold" nodeType="clickEffect">
-                                  <p:stCondLst>
-                                    <p:cond delay="0"/>
-                                  </p:stCondLst>
-                                  <p:childTnLst>
-                                    <p:set>
-                                      <p:cBhvr>
-                                        <p:cTn id="48" dur="1" fill="hold">
-                                          <p:stCondLst>
-                                            <p:cond delay="0"/>
-                                          </p:stCondLst>
-                                        </p:cTn>
-                                        <p:tgtEl>
-                                          <p:spTgt spid="10">
-                                            <p:txEl>
                                               <p:pRg st="9" end="9"/>
-                                            </p:txEl>
-                                          </p:spTgt>
-                                        </p:tgtEl>
-                                        <p:attrNameLst>
-                                          <p:attrName>style.visibility</p:attrName>
-                                        </p:attrNameLst>
-                                      </p:cBhvr>
-                                      <p:to>
-                                        <p:strVal val="visible"/>
-                                      </p:to>
-                                    </p:set>
-                                  </p:childTnLst>
-                                </p:cTn>
-                              </p:par>
-                            </p:childTnLst>
-                          </p:cTn>
-                        </p:par>
-                      </p:childTnLst>
-                    </p:cTn>
-                  </p:par>
-                  <p:par>
-                    <p:cTn id="49" fill="hold">
-                      <p:stCondLst>
-                        <p:cond delay="indefinite"/>
-                      </p:stCondLst>
-                      <p:childTnLst>
-                        <p:par>
-                          <p:cTn id="50" fill="hold">
-                            <p:stCondLst>
-                              <p:cond delay="0"/>
-                            </p:stCondLst>
-                            <p:childTnLst>
-                              <p:par>
-                                <p:cTn id="51" presetID="1" presetClass="entr" presetSubtype="0" fill="hold" nodeType="clickEffect">
-                                  <p:stCondLst>
-                                    <p:cond delay="0"/>
-                                  </p:stCondLst>
-                                  <p:childTnLst>
-                                    <p:set>
-                                      <p:cBhvr>
-                                        <p:cTn id="52" dur="1" fill="hold">
-                                          <p:stCondLst>
-                                            <p:cond delay="0"/>
-                                          </p:stCondLst>
-                                        </p:cTn>
-                                        <p:tgtEl>
-                                          <p:spTgt spid="10">
-                                            <p:txEl>
-                                              <p:pRg st="10" end="10"/>
                                             </p:txEl>
                                           </p:spTgt>
                                         </p:tgtEl>
@@ -27731,9 +27427,6 @@
         </p:cTn>
       </p:par>
     </p:tnLst>
-    <p:bldLst>
-      <p:bldP spid="9" grpId="0" animBg="1"/>
-    </p:bldLst>
   </p:timing>
 </p:sld>
 </file>

--- a/src/lectures/android-content-providers/android-content-providers.pptx
+++ b/src/lectures/android-content-providers/android-content-providers.pptx
@@ -222,7 +222,7 @@
           <a:p>
             <a:fld id="{EBEE5AE1-1D5F-483D-90B5-92A2A708F59B}" type="datetimeFigureOut">
               <a:rPr lang="en-US" smtClean="0"/>
-              <a:t>3/2/2020</a:t>
+              <a:t>3/12/2020</a:t>
             </a:fld>
             <a:endParaRPr lang="en-US"/>
           </a:p>
@@ -615,7 +615,7 @@
           <a:p>
             <a:fld id="{428859CC-B640-4DB3-BB6F-301CDED75AAD}" type="datetimeFigureOut">
               <a:rPr lang="sv-SE" smtClean="0"/>
-              <a:t>2020-03-02</a:t>
+              <a:t>2020-03-12</a:t>
             </a:fld>
             <a:endParaRPr lang="sv-SE"/>
           </a:p>
@@ -965,7 +965,7 @@
           <a:p>
             <a:fld id="{428859CC-B640-4DB3-BB6F-301CDED75AAD}" type="datetimeFigureOut">
               <a:rPr lang="sv-SE" smtClean="0"/>
-              <a:t>2020-03-02</a:t>
+              <a:t>2020-03-12</a:t>
             </a:fld>
             <a:endParaRPr lang="sv-SE"/>
           </a:p>
@@ -1215,7 +1215,7 @@
           <a:p>
             <a:fld id="{428859CC-B640-4DB3-BB6F-301CDED75AAD}" type="datetimeFigureOut">
               <a:rPr lang="sv-SE" smtClean="0"/>
-              <a:t>2020-03-02</a:t>
+              <a:t>2020-03-12</a:t>
             </a:fld>
             <a:endParaRPr lang="sv-SE"/>
           </a:p>
@@ -1574,7 +1574,7 @@
           <a:p>
             <a:fld id="{428859CC-B640-4DB3-BB6F-301CDED75AAD}" type="datetimeFigureOut">
               <a:rPr lang="sv-SE" smtClean="0"/>
-              <a:t>2020-03-02</a:t>
+              <a:t>2020-03-12</a:t>
             </a:fld>
             <a:endParaRPr lang="sv-SE"/>
           </a:p>
@@ -1925,7 +1925,7 @@
           <a:p>
             <a:fld id="{428859CC-B640-4DB3-BB6F-301CDED75AAD}" type="datetimeFigureOut">
               <a:rPr lang="sv-SE" smtClean="0"/>
-              <a:t>2020-03-02</a:t>
+              <a:t>2020-03-12</a:t>
             </a:fld>
             <a:endParaRPr lang="sv-SE"/>
           </a:p>
@@ -2357,7 +2357,7 @@
           <a:p>
             <a:fld id="{428859CC-B640-4DB3-BB6F-301CDED75AAD}" type="datetimeFigureOut">
               <a:rPr lang="sv-SE" smtClean="0"/>
-              <a:t>2020-03-02</a:t>
+              <a:t>2020-03-12</a:t>
             </a:fld>
             <a:endParaRPr lang="sv-SE"/>
           </a:p>
@@ -2781,7 +2781,7 @@
           <a:p>
             <a:fld id="{428859CC-B640-4DB3-BB6F-301CDED75AAD}" type="datetimeFigureOut">
               <a:rPr lang="sv-SE" smtClean="0"/>
-              <a:t>2020-03-02</a:t>
+              <a:t>2020-03-12</a:t>
             </a:fld>
             <a:endParaRPr lang="sv-SE"/>
           </a:p>
@@ -3213,7 +3213,7 @@
           <a:p>
             <a:fld id="{428859CC-B640-4DB3-BB6F-301CDED75AAD}" type="datetimeFigureOut">
               <a:rPr lang="sv-SE" smtClean="0"/>
-              <a:t>2020-03-02</a:t>
+              <a:t>2020-03-12</a:t>
             </a:fld>
             <a:endParaRPr lang="sv-SE"/>
           </a:p>
@@ -3542,7 +3542,7 @@
           <a:p>
             <a:fld id="{428859CC-B640-4DB3-BB6F-301CDED75AAD}" type="datetimeFigureOut">
               <a:rPr lang="sv-SE" smtClean="0"/>
-              <a:t>2020-03-02</a:t>
+              <a:t>2020-03-12</a:t>
             </a:fld>
             <a:endParaRPr lang="sv-SE"/>
           </a:p>
@@ -3742,7 +3742,7 @@
           <a:p>
             <a:fld id="{428859CC-B640-4DB3-BB6F-301CDED75AAD}" type="datetimeFigureOut">
               <a:rPr lang="sv-SE" smtClean="0"/>
-              <a:t>2020-03-02</a:t>
+              <a:t>2020-03-12</a:t>
             </a:fld>
             <a:endParaRPr lang="sv-SE"/>
           </a:p>
@@ -3903,7 +3903,7 @@
           <a:p>
             <a:fld id="{428859CC-B640-4DB3-BB6F-301CDED75AAD}" type="datetimeFigureOut">
               <a:rPr lang="sv-SE" smtClean="0"/>
-              <a:t>2020-03-02</a:t>
+              <a:t>2020-03-12</a:t>
             </a:fld>
             <a:endParaRPr lang="sv-SE"/>
           </a:p>
@@ -4174,7 +4174,7 @@
           <a:p>
             <a:fld id="{428859CC-B640-4DB3-BB6F-301CDED75AAD}" type="datetimeFigureOut">
               <a:rPr lang="sv-SE" smtClean="0"/>
-              <a:t>2020-03-02</a:t>
+              <a:t>2020-03-12</a:t>
             </a:fld>
             <a:endParaRPr lang="sv-SE"/>
           </a:p>
@@ -4379,7 +4379,7 @@
           <a:p>
             <a:fld id="{428859CC-B640-4DB3-BB6F-301CDED75AAD}" type="datetimeFigureOut">
               <a:rPr lang="sv-SE" smtClean="0"/>
-              <a:t>2020-03-02</a:t>
+              <a:t>2020-03-12</a:t>
             </a:fld>
             <a:endParaRPr lang="sv-SE"/>
           </a:p>
@@ -4601,7 +4601,7 @@
           <a:p>
             <a:fld id="{428859CC-B640-4DB3-BB6F-301CDED75AAD}" type="datetimeFigureOut">
               <a:rPr lang="sv-SE" smtClean="0"/>
-              <a:t>2020-03-02</a:t>
+              <a:t>2020-03-12</a:t>
             </a:fld>
             <a:endParaRPr lang="sv-SE"/>
           </a:p>
@@ -4835,7 +4835,7 @@
           <a:p>
             <a:fld id="{428859CC-B640-4DB3-BB6F-301CDED75AAD}" type="datetimeFigureOut">
               <a:rPr lang="sv-SE" smtClean="0"/>
-              <a:t>2020-03-02</a:t>
+              <a:t>2020-03-12</a:t>
             </a:fld>
             <a:endParaRPr lang="sv-SE"/>
           </a:p>
@@ -5057,7 +5057,7 @@
           <a:p>
             <a:fld id="{428859CC-B640-4DB3-BB6F-301CDED75AAD}" type="datetimeFigureOut">
               <a:rPr lang="sv-SE" smtClean="0"/>
-              <a:t>2020-03-02</a:t>
+              <a:t>2020-03-12</a:t>
             </a:fld>
             <a:endParaRPr lang="sv-SE"/>
           </a:p>
@@ -5291,7 +5291,7 @@
           <a:p>
             <a:fld id="{428859CC-B640-4DB3-BB6F-301CDED75AAD}" type="datetimeFigureOut">
               <a:rPr lang="sv-SE" smtClean="0"/>
-              <a:t>2020-03-02</a:t>
+              <a:t>2020-03-12</a:t>
             </a:fld>
             <a:endParaRPr lang="sv-SE"/>
           </a:p>
@@ -5705,7 +5705,7 @@
           <a:p>
             <a:fld id="{428859CC-B640-4DB3-BB6F-301CDED75AAD}" type="datetimeFigureOut">
               <a:rPr lang="sv-SE" smtClean="0"/>
-              <a:t>2020-03-02</a:t>
+              <a:t>2020-03-12</a:t>
             </a:fld>
             <a:endParaRPr lang="sv-SE"/>
           </a:p>
@@ -6117,7 +6117,7 @@
           <a:p>
             <a:fld id="{428859CC-B640-4DB3-BB6F-301CDED75AAD}" type="datetimeFigureOut">
               <a:rPr lang="sv-SE" smtClean="0"/>
-              <a:t>2020-03-02</a:t>
+              <a:t>2020-03-12</a:t>
             </a:fld>
             <a:endParaRPr lang="sv-SE"/>
           </a:p>
@@ -6434,7 +6434,7 @@
           <a:p>
             <a:fld id="{428859CC-B640-4DB3-BB6F-301CDED75AAD}" type="datetimeFigureOut">
               <a:rPr lang="sv-SE" smtClean="0"/>
-              <a:t>2020-03-02</a:t>
+              <a:t>2020-03-12</a:t>
             </a:fld>
             <a:endParaRPr lang="sv-SE"/>
           </a:p>
@@ -6749,7 +6749,7 @@
           <a:p>
             <a:fld id="{428859CC-B640-4DB3-BB6F-301CDED75AAD}" type="datetimeFigureOut">
               <a:rPr lang="sv-SE" smtClean="0"/>
-              <a:t>2020-03-02</a:t>
+              <a:t>2020-03-12</a:t>
             </a:fld>
             <a:endParaRPr lang="sv-SE"/>
           </a:p>
@@ -7037,7 +7037,7 @@
           <a:p>
             <a:fld id="{428859CC-B640-4DB3-BB6F-301CDED75AAD}" type="datetimeFigureOut">
               <a:rPr lang="sv-SE" smtClean="0"/>
-              <a:t>2020-03-02</a:t>
+              <a:t>2020-03-12</a:t>
             </a:fld>
             <a:endParaRPr lang="sv-SE"/>
           </a:p>
@@ -7394,7 +7394,7 @@
           <a:p>
             <a:fld id="{428859CC-B640-4DB3-BB6F-301CDED75AAD}" type="datetimeFigureOut">
               <a:rPr lang="sv-SE" smtClean="0"/>
-              <a:t>2020-03-02</a:t>
+              <a:t>2020-03-12</a:t>
             </a:fld>
             <a:endParaRPr lang="sv-SE"/>
           </a:p>
@@ -7676,7 +7676,7 @@
           <a:p>
             <a:fld id="{428859CC-B640-4DB3-BB6F-301CDED75AAD}" type="datetimeFigureOut">
               <a:rPr lang="sv-SE" smtClean="0"/>
-              <a:t>2020-03-02</a:t>
+              <a:t>2020-03-12</a:t>
             </a:fld>
             <a:endParaRPr lang="sv-SE"/>
           </a:p>
@@ -26298,7 +26298,7 @@
         <p:spPr>
           <a:xfrm>
             <a:off x="838201" y="1825625"/>
-            <a:ext cx="10515600" cy="4024179"/>
+            <a:ext cx="10515600" cy="4429418"/>
           </a:xfrm>
           <a:prstGeom prst="rect">
             <a:avLst/>
@@ -26868,6 +26868,48 @@
               </a:rPr>
               <a:t>);</a:t>
             </a:r>
+          </a:p>
+          <a:p>
+            <a:pPr marL="0" lvl="0" indent="0">
+              <a:buNone/>
+            </a:pPr>
+            <a:r>
+              <a:rPr lang="fr-FR" sz="2000" dirty="0" err="1">
+                <a:solidFill>
+                  <a:srgbClr val="000000"/>
+                </a:solidFill>
+                <a:latin typeface="Courier New" panose="02070309020205020404" pitchFamily="49" charset="0"/>
+                <a:cs typeface="Courier New" panose="02070309020205020404" pitchFamily="49" charset="0"/>
+              </a:rPr>
+              <a:t>intent.flags</a:t>
+            </a:r>
+            <a:r>
+              <a:rPr lang="fr-FR" sz="2000">
+                <a:solidFill>
+                  <a:srgbClr val="000000"/>
+                </a:solidFill>
+                <a:latin typeface="Courier New" panose="02070309020205020404" pitchFamily="49" charset="0"/>
+                <a:cs typeface="Courier New" panose="02070309020205020404" pitchFamily="49" charset="0"/>
+              </a:rPr>
+              <a:t> = </a:t>
+            </a:r>
+            <a:r>
+              <a:rPr lang="fr-FR" sz="2000" dirty="0" err="1">
+                <a:solidFill>
+                  <a:srgbClr val="000000"/>
+                </a:solidFill>
+                <a:latin typeface="Courier New" panose="02070309020205020404" pitchFamily="49" charset="0"/>
+                <a:cs typeface="Courier New" panose="02070309020205020404" pitchFamily="49" charset="0"/>
+              </a:rPr>
+              <a:t>Intent.FLAG_GRANT_WRITE_URI_PERMISSION</a:t>
+            </a:r>
+            <a:endParaRPr lang="fr-FR" sz="2000" dirty="0">
+              <a:solidFill>
+                <a:srgbClr val="000000"/>
+              </a:solidFill>
+              <a:latin typeface="Courier New" panose="02070309020205020404" pitchFamily="49" charset="0"/>
+              <a:cs typeface="Courier New" panose="02070309020205020404" pitchFamily="49" charset="0"/>
+            </a:endParaRPr>
           </a:p>
           <a:p>
             <a:pPr marL="0" lvl="0" indent="0">
@@ -27386,6 +27428,55 @@
                                           <p:spTgt spid="10">
                                             <p:txEl>
                                               <p:pRg st="9" end="9"/>
+                                            </p:txEl>
+                                          </p:spTgt>
+                                        </p:tgtEl>
+                                        <p:attrNameLst>
+                                          <p:attrName>style.visibility</p:attrName>
+                                        </p:attrNameLst>
+                                      </p:cBhvr>
+                                      <p:to>
+                                        <p:strVal val="visible"/>
+                                      </p:to>
+                                    </p:set>
+                                  </p:childTnLst>
+                                </p:cTn>
+                              </p:par>
+                            </p:childTnLst>
+                          </p:cTn>
+                        </p:par>
+                      </p:childTnLst>
+                    </p:cTn>
+                  </p:par>
+                  <p:par>
+                    <p:cTn id="41" fill="hold">
+                      <p:stCondLst>
+                        <p:cond delay="indefinite"/>
+                      </p:stCondLst>
+                      <p:childTnLst>
+                        <p:par>
+                          <p:cTn id="42" fill="hold">
+                            <p:stCondLst>
+                              <p:cond delay="0"/>
+                            </p:stCondLst>
+                            <p:childTnLst>
+                              <p:par>
+                                <p:cTn id="43" presetID="1" presetClass="entr" presetSubtype="0" fill="hold" nodeType="clickEffect">
+                                  <p:stCondLst>
+                                    <p:cond delay="0"/>
+                                  </p:stCondLst>
+                                  <p:childTnLst>
+                                    <p:set>
+                                      <p:cBhvr>
+                                        <p:cTn id="44" dur="1" fill="hold">
+                                          <p:stCondLst>
+                                            <p:cond delay="0"/>
+                                          </p:stCondLst>
+                                        </p:cTn>
+                                        <p:tgtEl>
+                                          <p:spTgt spid="10">
+                                            <p:txEl>
+                                              <p:pRg st="10" end="10"/>
                                             </p:txEl>
                                           </p:spTgt>
                                         </p:tgtEl>
